--- a/doc/BCC_NLQ-Poster.pptx
+++ b/doc/BCC_NLQ-Poster.pptx
@@ -214,7 +214,7 @@
           <a:p>
             <a:fld id="{0F9B84EA-7D68-4D60-9CB1-D50884785D1C}" type="datetimeFigureOut">
               <a:rPr lang="zh-CN" altLang="en-US" smtClean="0"/>
-              <a:t>2024/10/29</a:t>
+              <a:t>2024/11/4</a:t>
             </a:fld>
             <a:endParaRPr lang="zh-CN" altLang="en-US"/>
           </a:p>
@@ -379,7 +379,7 @@
           <a:p>
             <a:fld id="{D6C8D182-E4C8-4120-9249-FC9774456FFA}" type="datetimeFigureOut">
               <a:rPr lang="zh-CN" altLang="en-US" smtClean="0"/>
-              <a:t>2024/10/29</a:t>
+              <a:t>2024/11/4</a:t>
             </a:fld>
             <a:endParaRPr lang="zh-CN" altLang="en-US"/>
           </a:p>
@@ -772,7 +772,7 @@
           <a:p>
             <a:fld id="{760FBDFE-C587-4B4C-A407-44438C67B59E}" type="datetimeFigureOut">
               <a:rPr lang="zh-CN" altLang="en-US" smtClean="0"/>
-              <a:t>2024/10/29</a:t>
+              <a:t>2024/11/4</a:t>
             </a:fld>
             <a:endParaRPr lang="zh-CN" altLang="en-US"/>
           </a:p>
@@ -942,7 +942,7 @@
           <a:p>
             <a:fld id="{760FBDFE-C587-4B4C-A407-44438C67B59E}" type="datetimeFigureOut">
               <a:rPr lang="zh-CN" altLang="en-US" smtClean="0"/>
-              <a:t>2024/10/29</a:t>
+              <a:t>2024/11/4</a:t>
             </a:fld>
             <a:endParaRPr lang="zh-CN" altLang="en-US"/>
           </a:p>
@@ -1122,7 +1122,7 @@
           <a:p>
             <a:fld id="{760FBDFE-C587-4B4C-A407-44438C67B59E}" type="datetimeFigureOut">
               <a:rPr lang="zh-CN" altLang="en-US" smtClean="0"/>
-              <a:t>2024/10/29</a:t>
+              <a:t>2024/11/4</a:t>
             </a:fld>
             <a:endParaRPr lang="zh-CN" altLang="en-US"/>
           </a:p>
@@ -1217,7 +1217,7 @@
           <a:p>
             <a:fld id="{760FBDFE-C587-4B4C-A407-44438C67B59E}" type="datetimeFigureOut">
               <a:rPr lang="zh-CN" altLang="en-US" smtClean="0"/>
-              <a:t>2024/10/29</a:t>
+              <a:t>2024/11/4</a:t>
             </a:fld>
             <a:endParaRPr lang="zh-CN" altLang="en-US"/>
           </a:p>
@@ -1438,7 +1438,7 @@
           <a:p>
             <a:fld id="{760FBDFE-C587-4B4C-A407-44438C67B59E}" type="datetimeFigureOut">
               <a:rPr lang="zh-CN" altLang="en-US" smtClean="0"/>
-              <a:t>2024/10/29</a:t>
+              <a:t>2024/11/4</a:t>
             </a:fld>
             <a:endParaRPr lang="zh-CN" altLang="en-US"/>
           </a:p>
@@ -1682,7 +1682,7 @@
           <a:p>
             <a:fld id="{760FBDFE-C587-4B4C-A407-44438C67B59E}" type="datetimeFigureOut">
               <a:rPr lang="zh-CN" altLang="en-US" smtClean="0"/>
-              <a:t>2024/10/29</a:t>
+              <a:t>2024/11/4</a:t>
             </a:fld>
             <a:endParaRPr lang="zh-CN" altLang="en-US"/>
           </a:p>
@@ -1914,7 +1914,7 @@
           <a:p>
             <a:fld id="{760FBDFE-C587-4B4C-A407-44438C67B59E}" type="datetimeFigureOut">
               <a:rPr lang="zh-CN" altLang="en-US" smtClean="0"/>
-              <a:t>2024/10/29</a:t>
+              <a:t>2024/11/4</a:t>
             </a:fld>
             <a:endParaRPr lang="zh-CN" altLang="en-US"/>
           </a:p>
@@ -2281,7 +2281,7 @@
           <a:p>
             <a:fld id="{760FBDFE-C587-4B4C-A407-44438C67B59E}" type="datetimeFigureOut">
               <a:rPr lang="zh-CN" altLang="en-US" smtClean="0"/>
-              <a:t>2024/10/29</a:t>
+              <a:t>2024/11/4</a:t>
             </a:fld>
             <a:endParaRPr lang="zh-CN" altLang="en-US"/>
           </a:p>
@@ -2399,7 +2399,7 @@
           <a:p>
             <a:fld id="{760FBDFE-C587-4B4C-A407-44438C67B59E}" type="datetimeFigureOut">
               <a:rPr lang="zh-CN" altLang="en-US" smtClean="0"/>
-              <a:t>2024/10/29</a:t>
+              <a:t>2024/11/4</a:t>
             </a:fld>
             <a:endParaRPr lang="zh-CN" altLang="en-US"/>
           </a:p>
@@ -2494,7 +2494,7 @@
           <a:p>
             <a:fld id="{760FBDFE-C587-4B4C-A407-44438C67B59E}" type="datetimeFigureOut">
               <a:rPr lang="zh-CN" altLang="en-US" smtClean="0"/>
-              <a:t>2024/10/29</a:t>
+              <a:t>2024/11/4</a:t>
             </a:fld>
             <a:endParaRPr lang="zh-CN" altLang="en-US"/>
           </a:p>
@@ -2771,7 +2771,7 @@
           <a:p>
             <a:fld id="{760FBDFE-C587-4B4C-A407-44438C67B59E}" type="datetimeFigureOut">
               <a:rPr lang="zh-CN" altLang="en-US" smtClean="0"/>
-              <a:t>2024/10/29</a:t>
+              <a:t>2024/11/4</a:t>
             </a:fld>
             <a:endParaRPr lang="zh-CN" altLang="en-US"/>
           </a:p>
@@ -3028,7 +3028,7 @@
           <a:p>
             <a:fld id="{9EFD9D74-47D9-4702-A33C-335B63B48DBF}" type="datetimeFigureOut">
               <a:rPr lang="zh-CN" altLang="en-US" smtClean="0"/>
-              <a:t>2024/10/29</a:t>
+              <a:t>2024/11/4</a:t>
             </a:fld>
             <a:endParaRPr lang="zh-CN" altLang="en-US" dirty="0"/>
           </a:p>
@@ -3241,7 +3241,7 @@
           <a:p>
             <a:fld id="{760FBDFE-C587-4B4C-A407-44438C67B59E}" type="datetimeFigureOut">
               <a:rPr lang="zh-CN" altLang="en-US" smtClean="0"/>
-              <a:t>2024/10/29</a:t>
+              <a:t>2024/11/4</a:t>
             </a:fld>
             <a:endParaRPr lang="zh-CN" altLang="en-US"/>
           </a:p>
@@ -3700,7 +3700,11 @@
           <a:lstStyle/>
           <a:p>
             <a:pPr algn="ctr"/>
-            <a:endParaRPr lang="zh-CN" altLang="en-US" sz="1879"/>
+            <a:endParaRPr lang="zh-CN" altLang="en-US" sz="1879">
+              <a:solidFill>
+                <a:schemeClr val="tx1"/>
+              </a:solidFill>
+            </a:endParaRPr>
           </a:p>
         </p:txBody>
       </p:sp>
@@ -3949,12 +3953,18 @@
             <a:pPr algn="l"/>
             <a:r>
               <a:rPr lang="zh-CN" altLang="en-US" sz="4441" b="1" dirty="0">
+                <a:solidFill>
+                  <a:schemeClr val="tx1"/>
+                </a:solidFill>
                 <a:latin typeface="Arial" panose="020B0604020202020204" pitchFamily="34" charset="0"/>
                 <a:cs typeface="Arial" panose="020B0604020202020204" pitchFamily="34" charset="0"/>
               </a:rPr>
               <a:t>摘要</a:t>
             </a:r>
             <a:endParaRPr lang="en-US" altLang="zh-CN" sz="4441" b="1" dirty="0">
+              <a:solidFill>
+                <a:schemeClr val="tx1"/>
+              </a:solidFill>
               <a:latin typeface="Arial" panose="020B0604020202020204" pitchFamily="34" charset="0"/>
               <a:cs typeface="Arial" panose="020B0604020202020204" pitchFamily="34" charset="0"/>
             </a:endParaRPr>
@@ -4215,12 +4225,18 @@
             <a:pPr algn="l"/>
             <a:r>
               <a:rPr lang="zh-CN" altLang="en-US" sz="4441" b="1" dirty="0">
+                <a:solidFill>
+                  <a:schemeClr val="tx1"/>
+                </a:solidFill>
                 <a:latin typeface="Arial" panose="020B0604020202020204" pitchFamily="34" charset="0"/>
                 <a:cs typeface="Arial" panose="020B0604020202020204" pitchFamily="34" charset="0"/>
               </a:rPr>
               <a:t>实验</a:t>
             </a:r>
             <a:endParaRPr lang="en-US" altLang="zh-CN" sz="4441" b="1" dirty="0">
+              <a:solidFill>
+                <a:schemeClr val="tx1"/>
+              </a:solidFill>
               <a:latin typeface="Arial" panose="020B0604020202020204" pitchFamily="34" charset="0"/>
               <a:cs typeface="Arial" panose="020B0604020202020204" pitchFamily="34" charset="0"/>
             </a:endParaRPr>
@@ -4278,12 +4294,18 @@
             <a:pPr algn="l"/>
             <a:r>
               <a:rPr lang="zh-CN" altLang="en-US" sz="4441" b="1" dirty="0">
+                <a:solidFill>
+                  <a:schemeClr val="tx1"/>
+                </a:solidFill>
                 <a:latin typeface="Arial" panose="020B0604020202020204" pitchFamily="34" charset="0"/>
                 <a:cs typeface="Arial" panose="020B0604020202020204" pitchFamily="34" charset="0"/>
               </a:rPr>
               <a:t>结论</a:t>
             </a:r>
             <a:endParaRPr lang="en-US" altLang="zh-CN" sz="4441" b="1" dirty="0">
+              <a:solidFill>
+                <a:schemeClr val="tx1"/>
+              </a:solidFill>
               <a:latin typeface="Arial" panose="020B0604020202020204" pitchFamily="34" charset="0"/>
               <a:cs typeface="Arial" panose="020B0604020202020204" pitchFamily="34" charset="0"/>
             </a:endParaRPr>
@@ -4328,8 +4350,8 @@
         </p:nvSpPr>
         <p:spPr>
           <a:xfrm>
-            <a:off x="4199615" y="2698953"/>
-            <a:ext cx="23999097" cy="1345368"/>
+            <a:off x="4199615" y="2414580"/>
+            <a:ext cx="23999097" cy="1914114"/>
           </a:xfrm>
           <a:prstGeom prst="rect">
             <a:avLst/>
@@ -4354,105 +4376,105 @@
               </a:spcAft>
             </a:pPr>
             <a:r>
-              <a:rPr lang="zh-CN" altLang="en-US" sz="2826" b="1" dirty="0">
+              <a:rPr lang="zh-CN" altLang="en-US" sz="4000" b="1" dirty="0">
                 <a:latin typeface="Arial" panose="020B0604020202020204" pitchFamily="34" charset="0"/>
                 <a:cs typeface="Arial" panose="020B0604020202020204" pitchFamily="34" charset="0"/>
               </a:rPr>
               <a:t>刘廷超</a:t>
             </a:r>
             <a:r>
-              <a:rPr lang="en-US" altLang="zh-CN" sz="4037" b="1" baseline="30000" dirty="0">
+              <a:rPr lang="en-US" altLang="zh-CN" sz="5400" b="1" baseline="30000" dirty="0">
                 <a:latin typeface="Arial" panose="020B0604020202020204" pitchFamily="34" charset="0"/>
                 <a:cs typeface="Arial" panose="020B0604020202020204" pitchFamily="34" charset="0"/>
               </a:rPr>
               <a:t>1</a:t>
             </a:r>
             <a:r>
-              <a:rPr lang="en-US" altLang="zh-CN" sz="2826" b="1" dirty="0">
+              <a:rPr lang="en-US" altLang="zh-CN" sz="4000" b="1" dirty="0">
                 <a:latin typeface="Arial" panose="020B0604020202020204" pitchFamily="34" charset="0"/>
                 <a:cs typeface="Arial" panose="020B0604020202020204" pitchFamily="34" charset="0"/>
               </a:rPr>
               <a:t>    </a:t>
             </a:r>
             <a:r>
-              <a:rPr lang="zh-CN" altLang="en-CN" sz="2826" b="1" dirty="0">
+              <a:rPr lang="zh-CN" altLang="en-CN" sz="4000" b="1" dirty="0">
                 <a:latin typeface="Arial" panose="020B0604020202020204" pitchFamily="34" charset="0"/>
                 <a:cs typeface="Arial" panose="020B0604020202020204" pitchFamily="34" charset="0"/>
               </a:rPr>
               <a:t>鲁鹿鸣</a:t>
             </a:r>
             <a:r>
-              <a:rPr lang="en-US" altLang="zh-CN" sz="4037" b="1" baseline="30000" dirty="0">
+              <a:rPr lang="en-US" altLang="zh-CN" sz="5400" b="1" baseline="30000" dirty="0">
                 <a:latin typeface="Arial" panose="020B0604020202020204" pitchFamily="34" charset="0"/>
                 <a:cs typeface="Arial" panose="020B0604020202020204" pitchFamily="34" charset="0"/>
               </a:rPr>
               <a:t>1</a:t>
             </a:r>
             <a:r>
-              <a:rPr lang="en-US" altLang="zh-CN" sz="2826" b="1" dirty="0">
+              <a:rPr lang="en-US" altLang="zh-CN" sz="4000" b="1" dirty="0">
                 <a:latin typeface="Arial" panose="020B0604020202020204" pitchFamily="34" charset="0"/>
                 <a:cs typeface="Arial" panose="020B0604020202020204" pitchFamily="34" charset="0"/>
               </a:rPr>
               <a:t>    </a:t>
             </a:r>
             <a:r>
-              <a:rPr lang="zh-CN" altLang="en-US" sz="2826" b="1" dirty="0">
+              <a:rPr lang="zh-CN" altLang="en-US" sz="4000" b="1" dirty="0">
                 <a:latin typeface="Arial" panose="020B0604020202020204" pitchFamily="34" charset="0"/>
                 <a:cs typeface="Arial" panose="020B0604020202020204" pitchFamily="34" charset="0"/>
               </a:rPr>
               <a:t>荀恩东</a:t>
             </a:r>
             <a:r>
-              <a:rPr lang="en-US" altLang="zh-CN" sz="4037" b="1" baseline="30000" dirty="0">
+              <a:rPr lang="en-US" altLang="zh-CN" sz="5400" b="1" baseline="30000" dirty="0">
                 <a:latin typeface="Arial" panose="020B0604020202020204" pitchFamily="34" charset="0"/>
                 <a:cs typeface="Arial" panose="020B0604020202020204" pitchFamily="34" charset="0"/>
               </a:rPr>
               <a:t>2</a:t>
             </a:r>
             <a:r>
-              <a:rPr lang="en-US" altLang="zh-CN" sz="2826" b="1" dirty="0">
+              <a:rPr lang="en-US" altLang="zh-CN" sz="4000" b="1" dirty="0">
                 <a:latin typeface="Arial" panose="020B0604020202020204" pitchFamily="34" charset="0"/>
                 <a:cs typeface="Arial" panose="020B0604020202020204" pitchFamily="34" charset="0"/>
               </a:rPr>
               <a:t>    </a:t>
             </a:r>
             <a:r>
-              <a:rPr lang="zh-CN" altLang="en-US" sz="2826" b="1" dirty="0">
+              <a:rPr lang="zh-CN" altLang="en-US" sz="4000" b="1" dirty="0">
                 <a:latin typeface="Arial" panose="020B0604020202020204" pitchFamily="34" charset="0"/>
                 <a:cs typeface="Arial" panose="020B0604020202020204" pitchFamily="34" charset="0"/>
               </a:rPr>
               <a:t>靳泽莹</a:t>
             </a:r>
             <a:r>
-              <a:rPr lang="en-US" altLang="zh-CN" sz="4037" b="1" baseline="30000" dirty="0">
+              <a:rPr lang="en-US" altLang="zh-CN" sz="5400" b="1" baseline="30000" dirty="0">
                 <a:latin typeface="Arial" panose="020B0604020202020204" pitchFamily="34" charset="0"/>
                 <a:cs typeface="Arial" panose="020B0604020202020204" pitchFamily="34" charset="0"/>
               </a:rPr>
               <a:t>1</a:t>
             </a:r>
             <a:r>
-              <a:rPr lang="en-US" altLang="zh-CN" sz="4400" b="1" dirty="0">
+              <a:rPr lang="en-US" altLang="zh-CN" sz="6000" b="1" dirty="0">
                 <a:latin typeface="Arial" panose="020B0604020202020204" pitchFamily="34" charset="0"/>
                 <a:cs typeface="Arial" panose="020B0604020202020204" pitchFamily="34" charset="0"/>
               </a:rPr>
               <a:t>   </a:t>
             </a:r>
             <a:r>
-              <a:rPr lang="zh-CN" altLang="en-US" sz="2800" b="1" dirty="0">
+              <a:rPr lang="zh-CN" altLang="en-US" sz="4000" b="1" dirty="0">
                 <a:latin typeface="Arial" panose="020B0604020202020204" pitchFamily="34" charset="0"/>
                 <a:cs typeface="Arial" panose="020B0604020202020204" pitchFamily="34" charset="0"/>
               </a:rPr>
               <a:t>杨兆勇</a:t>
             </a:r>
             <a:r>
-              <a:rPr lang="en-US" altLang="zh-CN" sz="4000" b="1" baseline="30000" dirty="0">
+              <a:rPr lang="en-US" altLang="zh-CN" sz="5400" b="1" baseline="30000" dirty="0">
                 <a:latin typeface="Arial" panose="020B0604020202020204" pitchFamily="34" charset="0"/>
                 <a:cs typeface="Arial" panose="020B0604020202020204" pitchFamily="34" charset="0"/>
               </a:rPr>
               <a:t>1</a:t>
             </a:r>
             <a:r>
-              <a:rPr lang="en-US" altLang="zh-CN" sz="6000" b="1" dirty="0">
+              <a:rPr lang="en-US" altLang="zh-CN" sz="8000" b="1" dirty="0">
                 <a:latin typeface="Arial" panose="020B0604020202020204" pitchFamily="34" charset="0"/>
                 <a:cs typeface="Arial" panose="020B0604020202020204" pitchFamily="34" charset="0"/>
               </a:rPr>
@@ -4471,21 +4493,7 @@
                 <a:spcPts val="1413"/>
               </a:spcAft>
             </a:pPr>
-            <a:r>
-              <a:rPr lang="en-US" altLang="zh-CN" sz="4037" b="1" baseline="30000" dirty="0">
-                <a:latin typeface="Arial" panose="020B0604020202020204" pitchFamily="34" charset="0"/>
-                <a:cs typeface="Arial" panose="020B0604020202020204" pitchFamily="34" charset="0"/>
-              </a:rPr>
-              <a:t>1.</a:t>
-            </a:r>
-            <a:r>
-              <a:rPr lang="zh-CN" altLang="en-US" sz="4037" b="1" baseline="30000" dirty="0">
-                <a:latin typeface="Arial" panose="020B0604020202020204" pitchFamily="34" charset="0"/>
-                <a:cs typeface="Arial" panose="020B0604020202020204" pitchFamily="34" charset="0"/>
-              </a:rPr>
-              <a:t> 北京语言大学    信息科学学院</a:t>
-            </a:r>
-            <a:endParaRPr lang="en-US" altLang="zh-CN" sz="4037" b="1" baseline="30000" dirty="0">
+            <a:endParaRPr lang="en-US" altLang="zh-CN" sz="8000" b="1" dirty="0">
               <a:latin typeface="Arial" panose="020B0604020202020204" pitchFamily="34" charset="0"/>
               <a:cs typeface="Arial" panose="020B0604020202020204" pitchFamily="34" charset="0"/>
             </a:endParaRPr>
@@ -4503,20 +4511,51 @@
               </a:spcAft>
             </a:pPr>
             <a:r>
-              <a:rPr lang="en-US" altLang="zh-CN" sz="4037" b="1" baseline="30000" dirty="0">
+              <a:rPr lang="en-US" altLang="zh-CN" sz="5400" b="1" baseline="30000" dirty="0">
+                <a:latin typeface="Arial" panose="020B0604020202020204" pitchFamily="34" charset="0"/>
+                <a:cs typeface="Arial" panose="020B0604020202020204" pitchFamily="34" charset="0"/>
+              </a:rPr>
+              <a:t>1.</a:t>
+            </a:r>
+            <a:r>
+              <a:rPr lang="zh-CN" altLang="en-US" sz="5400" b="1" baseline="30000" dirty="0">
+                <a:latin typeface="Arial" panose="020B0604020202020204" pitchFamily="34" charset="0"/>
+                <a:cs typeface="Arial" panose="020B0604020202020204" pitchFamily="34" charset="0"/>
+              </a:rPr>
+              <a:t> 北京语言大学    信息科学学院</a:t>
+            </a:r>
+            <a:endParaRPr lang="en-US" altLang="zh-CN" sz="5400" b="1" baseline="30000" dirty="0">
+              <a:latin typeface="Arial" panose="020B0604020202020204" pitchFamily="34" charset="0"/>
+              <a:cs typeface="Arial" panose="020B0604020202020204" pitchFamily="34" charset="0"/>
+            </a:endParaRPr>
+          </a:p>
+          <a:p>
+            <a:pPr algn="ctr">
+              <a:lnSpc>
+                <a:spcPts val="908"/>
+              </a:lnSpc>
+              <a:spcBef>
+                <a:spcPts val="1918"/>
+              </a:spcBef>
+              <a:spcAft>
+                <a:spcPts val="1413"/>
+              </a:spcAft>
+            </a:pPr>
+            <a:r>
+              <a:rPr lang="en-US" altLang="zh-CN" sz="5400" b="1" baseline="30000" dirty="0">
                 <a:latin typeface="Arial" panose="020B0604020202020204" pitchFamily="34" charset="0"/>
                 <a:cs typeface="Arial" panose="020B0604020202020204" pitchFamily="34" charset="0"/>
               </a:rPr>
               <a:t>2.</a:t>
             </a:r>
             <a:r>
-              <a:rPr lang="zh-CN" altLang="en-US" sz="4037" b="1" baseline="30000" dirty="0">
+              <a:rPr lang="zh-CN" altLang="en-US" sz="5400" b="1" baseline="30000" dirty="0">
                 <a:latin typeface="Arial" panose="020B0604020202020204" pitchFamily="34" charset="0"/>
                 <a:cs typeface="Arial" panose="020B0604020202020204" pitchFamily="34" charset="0"/>
               </a:rPr>
               <a:t> 北京语言大学  高精尖语言资源中心</a:t>
             </a:r>
-            <a:endParaRPr lang="en-US" altLang="zh-CN" sz="4037" b="1" baseline="30000" dirty="0">
+            <a:endParaRPr lang="en-US" altLang="zh-CN" sz="5400" b="1" baseline="30000" dirty="0">
               <a:latin typeface="Arial" panose="020B0604020202020204" pitchFamily="34" charset="0"/>
               <a:cs typeface="Arial" panose="020B0604020202020204" pitchFamily="34" charset="0"/>
             </a:endParaRPr>
@@ -4580,6 +4619,9 @@
             <a:pPr algn="l"/>
             <a:r>
               <a:rPr lang="en-US" altLang="zh-CN" sz="4441" b="1" dirty="0">
+                <a:solidFill>
+                  <a:schemeClr val="tx1"/>
+                </a:solidFill>
                 <a:latin typeface="Arial" panose="020B0604020202020204" pitchFamily="34" charset="0"/>
                 <a:cs typeface="Arial" panose="020B0604020202020204" pitchFamily="34" charset="0"/>
               </a:rPr>
@@ -4587,12 +4629,18 @@
             </a:r>
             <a:r>
               <a:rPr lang="zh-CN" altLang="en-US" sz="4441" b="1" dirty="0">
+                <a:solidFill>
+                  <a:schemeClr val="tx1"/>
+                </a:solidFill>
                 <a:latin typeface="Arial" panose="020B0604020202020204" pitchFamily="34" charset="0"/>
                 <a:cs typeface="Arial" panose="020B0604020202020204" pitchFamily="34" charset="0"/>
               </a:rPr>
               <a:t>检索式</a:t>
             </a:r>
             <a:endParaRPr lang="en-US" altLang="zh-CN" sz="4441" b="1" dirty="0">
+              <a:solidFill>
+                <a:schemeClr val="tx1"/>
+              </a:solidFill>
               <a:latin typeface="Arial" panose="020B0604020202020204" pitchFamily="34" charset="0"/>
               <a:cs typeface="Arial" panose="020B0604020202020204" pitchFamily="34" charset="0"/>
             </a:endParaRPr>
@@ -4807,6 +4855,9 @@
             </a:pPr>
             <a:r>
               <a:rPr lang="zh-CN" altLang="en-US" sz="3633" b="1" dirty="0">
+                <a:solidFill>
+                  <a:schemeClr val="tx1"/>
+                </a:solidFill>
                 <a:latin typeface="Arial" panose="020B0604020202020204" pitchFamily="34" charset="0"/>
                 <a:cs typeface="Arial" panose="020B0604020202020204" pitchFamily="34" charset="0"/>
               </a:rPr>
@@ -4814,6 +4865,9 @@
             </a:r>
             <a:r>
               <a:rPr lang="en-US" altLang="zh-CN" sz="3633" b="1" dirty="0">
+                <a:solidFill>
+                  <a:schemeClr val="tx1"/>
+                </a:solidFill>
                 <a:latin typeface="Arial" panose="020B0604020202020204" pitchFamily="34" charset="0"/>
                 <a:cs typeface="Arial" panose="020B0604020202020204" pitchFamily="34" charset="0"/>
               </a:rPr>
@@ -4821,6 +4875,9 @@
             </a:r>
             <a:r>
               <a:rPr lang="zh-CN" altLang="en-US" sz="3633" b="1" dirty="0">
+                <a:solidFill>
+                  <a:schemeClr val="tx1"/>
+                </a:solidFill>
                 <a:latin typeface="Arial" panose="020B0604020202020204" pitchFamily="34" charset="0"/>
                 <a:cs typeface="Arial" panose="020B0604020202020204" pitchFamily="34" charset="0"/>
               </a:rPr>
@@ -4828,6 +4885,9 @@
             </a:r>
             <a:r>
               <a:rPr lang="en-US" altLang="zh-CN" sz="3633" b="1" dirty="0" err="1">
+                <a:solidFill>
+                  <a:schemeClr val="tx1"/>
+                </a:solidFill>
                 <a:latin typeface="Arial" panose="020B0604020202020204" pitchFamily="34" charset="0"/>
                 <a:cs typeface="Arial" panose="020B0604020202020204" pitchFamily="34" charset="0"/>
               </a:rPr>
@@ -4835,12 +4895,18 @@
             </a:r>
             <a:r>
               <a:rPr lang="zh-CN" altLang="en-US" sz="3633" b="1" dirty="0">
+                <a:solidFill>
+                  <a:schemeClr val="tx1"/>
+                </a:solidFill>
                 <a:latin typeface="Arial" panose="020B0604020202020204" pitchFamily="34" charset="0"/>
                 <a:cs typeface="Arial" panose="020B0604020202020204" pitchFamily="34" charset="0"/>
               </a:rPr>
               <a:t>模型。</a:t>
             </a:r>
             <a:endParaRPr lang="en-US" altLang="zh-CN" sz="3633" b="1" dirty="0">
+              <a:solidFill>
+                <a:schemeClr val="tx1"/>
+              </a:solidFill>
               <a:latin typeface="Arial" panose="020B0604020202020204" pitchFamily="34" charset="0"/>
               <a:cs typeface="Arial" panose="020B0604020202020204" pitchFamily="34" charset="0"/>
             </a:endParaRPr>
@@ -5055,12 +5121,18 @@
             </a:pPr>
             <a:r>
               <a:rPr lang="zh-CN" altLang="en-US" sz="3633" b="1" dirty="0">
+                <a:solidFill>
+                  <a:schemeClr val="tx1"/>
+                </a:solidFill>
                 <a:latin typeface="Arial" panose="020B0604020202020204" pitchFamily="34" charset="0"/>
                 <a:cs typeface="Arial" panose="020B0604020202020204" pitchFamily="34" charset="0"/>
               </a:rPr>
               <a:t>准确率测试</a:t>
             </a:r>
             <a:endParaRPr lang="en-US" altLang="zh-CN" sz="3633" b="1" dirty="0">
+              <a:solidFill>
+                <a:schemeClr val="tx1"/>
+              </a:solidFill>
               <a:latin typeface="Arial" panose="020B0604020202020204" pitchFamily="34" charset="0"/>
               <a:cs typeface="Arial" panose="020B0604020202020204" pitchFamily="34" charset="0"/>
             </a:endParaRPr>
@@ -5276,6 +5348,9 @@
             </a:pPr>
             <a:r>
               <a:rPr lang="en-US" altLang="zh-CN" sz="4000" kern="100" spc="20" dirty="0" err="1">
+                <a:solidFill>
+                  <a:schemeClr val="tx1"/>
+                </a:solidFill>
                 <a:effectLst/>
                 <a:latin typeface="宋体" panose="02010600030101010101" pitchFamily="2" charset="-122"/>
                 <a:ea typeface="方正书宋简体"/>
@@ -5285,6 +5360,9 @@
             </a:r>
             <a:r>
               <a:rPr lang="zh-CN" sz="4000" kern="100" spc="20" dirty="0">
+                <a:solidFill>
+                  <a:schemeClr val="tx1"/>
+                </a:solidFill>
                 <a:effectLst/>
                 <a:latin typeface="宋体" panose="02010600030101010101" pitchFamily="2" charset="-122"/>
                 <a:ea typeface="方正书宋简体"/>
@@ -5294,6 +5372,9 @@
             </a:r>
             <a:r>
               <a:rPr lang="en-US" sz="4000" kern="100" spc="20" dirty="0">
+                <a:solidFill>
+                  <a:schemeClr val="tx1"/>
+                </a:solidFill>
                 <a:effectLst/>
                 <a:latin typeface="宋体" panose="02010600030101010101" pitchFamily="2" charset="-122"/>
                 <a:ea typeface="方正书宋简体"/>
@@ -5303,6 +5384,9 @@
             </a:r>
             <a:r>
               <a:rPr lang="zh-CN" sz="4000" kern="100" spc="20" dirty="0">
+                <a:solidFill>
+                  <a:schemeClr val="tx1"/>
+                </a:solidFill>
                 <a:effectLst/>
                 <a:latin typeface="宋体" panose="02010600030101010101" pitchFamily="2" charset="-122"/>
                 <a:ea typeface="方正书宋简体"/>
@@ -5312,6 +5396,9 @@
             </a:r>
             <a:r>
               <a:rPr lang="en-US" sz="4000" kern="100" spc="20" dirty="0">
+                <a:solidFill>
+                  <a:schemeClr val="tx1"/>
+                </a:solidFill>
                 <a:effectLst/>
                 <a:latin typeface="宋体" panose="02010600030101010101" pitchFamily="2" charset="-122"/>
                 <a:ea typeface="方正书宋简体"/>
@@ -5321,6 +5408,9 @@
             </a:r>
             <a:r>
               <a:rPr lang="zh-CN" sz="4000" kern="100" spc="20" dirty="0">
+                <a:solidFill>
+                  <a:schemeClr val="tx1"/>
+                </a:solidFill>
                 <a:effectLst/>
                 <a:latin typeface="宋体" panose="02010600030101010101" pitchFamily="2" charset="-122"/>
                 <a:ea typeface="方正书宋简体"/>
@@ -5330,6 +5420,9 @@
             </a:r>
             <a:r>
               <a:rPr lang="en-US" sz="4000" kern="100" spc="20" dirty="0">
+                <a:solidFill>
+                  <a:schemeClr val="tx1"/>
+                </a:solidFill>
                 <a:effectLst/>
                 <a:latin typeface="宋体" panose="02010600030101010101" pitchFamily="2" charset="-122"/>
                 <a:ea typeface="方正书宋简体"/>
@@ -5339,6 +5432,9 @@
             </a:r>
             <a:r>
               <a:rPr lang="zh-CN" sz="4000" kern="100" spc="20" dirty="0">
+                <a:solidFill>
+                  <a:schemeClr val="tx1"/>
+                </a:solidFill>
                 <a:effectLst/>
                 <a:latin typeface="宋体" panose="02010600030101010101" pitchFamily="2" charset="-122"/>
                 <a:ea typeface="方正书宋简体"/>
@@ -5347,6 +5443,9 @@
               <a:t>检索式的转换。贡献如下：</a:t>
             </a:r>
             <a:endParaRPr lang="en-US" sz="4000" kern="100" spc="20" dirty="0">
+              <a:solidFill>
+                <a:schemeClr val="tx1"/>
+              </a:solidFill>
               <a:effectLst/>
               <a:latin typeface="Times New Roman" panose="02020603050405020304" pitchFamily="18" charset="0"/>
               <a:ea typeface="方正书宋简体"/>
@@ -5366,6 +5465,9 @@
             </a:pPr>
             <a:r>
               <a:rPr lang="en-US" sz="4000" kern="100" spc="20" dirty="0">
+                <a:solidFill>
+                  <a:schemeClr val="tx1"/>
+                </a:solidFill>
                 <a:effectLst/>
                 <a:latin typeface="宋体" panose="02010600030101010101" pitchFamily="2" charset="-122"/>
                 <a:ea typeface="方正书宋简体"/>
@@ -5375,6 +5477,9 @@
             </a:r>
             <a:r>
               <a:rPr lang="zh-CN" sz="4000" kern="100" spc="20" dirty="0">
+                <a:solidFill>
+                  <a:schemeClr val="tx1"/>
+                </a:solidFill>
                 <a:effectLst/>
                 <a:latin typeface="宋体" panose="02010600030101010101" pitchFamily="2" charset="-122"/>
                 <a:ea typeface="方正书宋简体"/>
@@ -5384,6 +5489,9 @@
             </a:r>
             <a:r>
               <a:rPr lang="en-US" sz="4000" kern="100" spc="20" dirty="0">
+                <a:solidFill>
+                  <a:schemeClr val="tx1"/>
+                </a:solidFill>
                 <a:effectLst/>
                 <a:latin typeface="宋体" panose="02010600030101010101" pitchFamily="2" charset="-122"/>
                 <a:ea typeface="方正书宋简体"/>
@@ -5393,6 +5501,9 @@
             </a:r>
             <a:r>
               <a:rPr lang="zh-CN" sz="4000" kern="100" spc="20" dirty="0">
+                <a:solidFill>
+                  <a:schemeClr val="tx1"/>
+                </a:solidFill>
                 <a:effectLst/>
                 <a:latin typeface="宋体" panose="02010600030101010101" pitchFamily="2" charset="-122"/>
                 <a:ea typeface="方正书宋简体"/>
@@ -5401,6 +5512,9 @@
               <a:t>检索式数据集，为模型的训练提供了坚实的基础。</a:t>
             </a:r>
             <a:endParaRPr lang="en-US" sz="4000" kern="100" spc="20" dirty="0">
+              <a:solidFill>
+                <a:schemeClr val="tx1"/>
+              </a:solidFill>
               <a:effectLst/>
               <a:latin typeface="Times New Roman" panose="02020603050405020304" pitchFamily="18" charset="0"/>
               <a:ea typeface="方正书宋简体"/>
@@ -5420,6 +5534,9 @@
             </a:pPr>
             <a:r>
               <a:rPr lang="en-US" sz="4000" kern="100" spc="20" dirty="0">
+                <a:solidFill>
+                  <a:schemeClr val="tx1"/>
+                </a:solidFill>
                 <a:effectLst/>
                 <a:latin typeface="宋体" panose="02010600030101010101" pitchFamily="2" charset="-122"/>
                 <a:ea typeface="方正书宋简体"/>
@@ -5429,6 +5546,9 @@
             </a:r>
             <a:r>
               <a:rPr lang="zh-CN" sz="4000" kern="100" spc="20" dirty="0">
+                <a:solidFill>
+                  <a:schemeClr val="tx1"/>
+                </a:solidFill>
                 <a:effectLst/>
                 <a:latin typeface="宋体" panose="02010600030101010101" pitchFamily="2" charset="-122"/>
                 <a:ea typeface="方正书宋简体"/>
@@ -5438,6 +5558,9 @@
             </a:r>
             <a:r>
               <a:rPr lang="en-US" sz="4000" kern="100" spc="20" dirty="0">
+                <a:solidFill>
+                  <a:schemeClr val="tx1"/>
+                </a:solidFill>
                 <a:effectLst/>
                 <a:latin typeface="宋体" panose="02010600030101010101" pitchFamily="2" charset="-122"/>
                 <a:ea typeface="方正书宋简体"/>
@@ -5447,6 +5570,9 @@
             </a:r>
             <a:r>
               <a:rPr lang="zh-CN" sz="4000" kern="100" spc="20" dirty="0">
+                <a:solidFill>
+                  <a:schemeClr val="tx1"/>
+                </a:solidFill>
                 <a:effectLst/>
                 <a:latin typeface="宋体" panose="02010600030101010101" pitchFamily="2" charset="-122"/>
                 <a:ea typeface="方正书宋简体"/>
@@ -5456,6 +5582,9 @@
             </a:r>
             <a:r>
               <a:rPr lang="en-US" sz="4000" kern="100" spc="20" dirty="0" err="1">
+                <a:solidFill>
+                  <a:schemeClr val="tx1"/>
+                </a:solidFill>
                 <a:effectLst/>
                 <a:latin typeface="宋体" panose="02010600030101010101" pitchFamily="2" charset="-122"/>
                 <a:ea typeface="方正书宋简体"/>
@@ -5465,6 +5594,9 @@
             </a:r>
             <a:r>
               <a:rPr lang="zh-CN" sz="4000" kern="100" spc="20" dirty="0">
+                <a:solidFill>
+                  <a:schemeClr val="tx1"/>
+                </a:solidFill>
                 <a:effectLst/>
                 <a:latin typeface="宋体" panose="02010600030101010101" pitchFamily="2" charset="-122"/>
                 <a:ea typeface="方正书宋简体"/>
@@ -5473,6 +5605,9 @@
               <a:t>模型能够同时支持检索式和自然语言查询，显著提升用户体验。</a:t>
             </a:r>
             <a:endParaRPr lang="en-US" sz="4000" kern="100" spc="20" dirty="0">
+              <a:solidFill>
+                <a:schemeClr val="tx1"/>
+              </a:solidFill>
               <a:effectLst/>
               <a:latin typeface="Times New Roman" panose="02020603050405020304" pitchFamily="18" charset="0"/>
               <a:ea typeface="方正书宋简体"/>
@@ -5492,6 +5627,9 @@
             </a:pPr>
             <a:r>
               <a:rPr lang="en-US" sz="4000" kern="100" spc="20" dirty="0">
+                <a:solidFill>
+                  <a:schemeClr val="tx1"/>
+                </a:solidFill>
                 <a:effectLst/>
                 <a:latin typeface="宋体" panose="02010600030101010101" pitchFamily="2" charset="-122"/>
                 <a:ea typeface="方正书宋简体"/>
@@ -5501,6 +5639,9 @@
             </a:r>
             <a:r>
               <a:rPr lang="zh-CN" sz="4000" kern="100" spc="20" dirty="0">
+                <a:solidFill>
+                  <a:schemeClr val="tx1"/>
+                </a:solidFill>
                 <a:effectLst/>
                 <a:latin typeface="宋体" panose="02010600030101010101" pitchFamily="2" charset="-122"/>
                 <a:ea typeface="方正书宋简体"/>
@@ -5510,6 +5651,9 @@
             </a:r>
             <a:r>
               <a:rPr lang="en-US" sz="4000" kern="100" spc="20" dirty="0">
+                <a:solidFill>
+                  <a:schemeClr val="tx1"/>
+                </a:solidFill>
                 <a:effectLst/>
                 <a:latin typeface="宋体" panose="02010600030101010101" pitchFamily="2" charset="-122"/>
                 <a:ea typeface="方正书宋简体"/>
@@ -5519,6 +5663,9 @@
             </a:r>
             <a:r>
               <a:rPr lang="zh-CN" sz="4000" kern="100" spc="20" dirty="0">
+                <a:solidFill>
+                  <a:schemeClr val="tx1"/>
+                </a:solidFill>
                 <a:effectLst/>
                 <a:latin typeface="宋体" panose="02010600030101010101" pitchFamily="2" charset="-122"/>
                 <a:ea typeface="方正书宋简体"/>
@@ -5527,6 +5674,9 @@
               <a:t>检索式的纠错功能，提高了模型的实用性。</a:t>
             </a:r>
             <a:endParaRPr lang="en-US" altLang="zh-CN" sz="4000" kern="100" spc="20" dirty="0">
+              <a:solidFill>
+                <a:schemeClr val="tx1"/>
+              </a:solidFill>
               <a:effectLst/>
               <a:latin typeface="宋体" panose="02010600030101010101" pitchFamily="2" charset="-122"/>
               <a:ea typeface="方正书宋简体"/>
@@ -5546,6 +5696,9 @@
               </a:spcAft>
             </a:pPr>
             <a:endParaRPr lang="en-US" altLang="zh-CN" sz="4000" kern="100" spc="20" dirty="0">
+              <a:solidFill>
+                <a:schemeClr val="tx1"/>
+              </a:solidFill>
               <a:latin typeface="Times New Roman" panose="02020603050405020304" pitchFamily="18" charset="0"/>
               <a:ea typeface="方正书宋简体"/>
             </a:endParaRPr>
@@ -5561,6 +5714,9 @@
             </a:pPr>
             <a:r>
               <a:rPr lang="en" altLang="zh-CN" sz="3633" b="1" dirty="0">
+                <a:solidFill>
+                  <a:schemeClr val="accent1"/>
+                </a:solidFill>
                 <a:latin typeface="Arial" panose="020B0604020202020204" pitchFamily="34" charset="0"/>
                 <a:cs typeface="Arial" panose="020B0604020202020204" pitchFamily="34" charset="0"/>
               </a:rPr>
@@ -5568,27 +5724,13 @@
             </a:r>
             <a:r>
               <a:rPr lang="en" altLang="zh-CN" sz="3633" dirty="0">
+                <a:solidFill>
+                  <a:schemeClr val="accent1"/>
+                </a:solidFill>
                 <a:latin typeface="Arial" panose="020B0604020202020204" pitchFamily="34" charset="0"/>
                 <a:cs typeface="Arial" panose="020B0604020202020204" pitchFamily="34" charset="0"/>
               </a:rPr>
               <a:t>    </a:t>
-            </a:r>
-            <a:r>
-              <a:rPr lang="en-US" altLang="zh-CN" sz="4845" u="sng" dirty="0">
-                <a:solidFill>
-                  <a:srgbClr val="0563C1"/>
-                </a:solidFill>
-                <a:latin typeface="Arial" panose="020B0604020202020204" pitchFamily="34" charset="0"/>
-                <a:cs typeface="Arial" panose="020B0604020202020204" pitchFamily="34" charset="0"/>
-                <a:hlinkClick r:id="rId3">
-                  <a:extLst>
-                    <a:ext uri="{A12FA001-AC4F-418D-AE19-62706E023703}">
-                      <ahyp:hlinkClr xmlns:ahyp="http://schemas.microsoft.com/office/drawing/2018/hyperlinkcolor" val="tx"/>
-                    </a:ext>
-                  </a:extLst>
-                </a:hlinkClick>
-              </a:rPr>
-              <a:t>https://github.com/paineliu</a:t>
             </a:r>
             <a:r>
               <a:rPr lang="en-US" altLang="zh-CN" sz="4845" u="sng" dirty="0">
@@ -5605,7 +5747,7 @@
                   </a:extLst>
                 </a:hlinkClick>
               </a:rPr>
-              <a:t>/</a:t>
+              <a:t>https://github.com/paineliu/</a:t>
             </a:r>
             <a:r>
               <a:rPr lang="en-US" altLang="zh-CN" sz="4845" u="sng" dirty="0">
@@ -5635,6 +5777,9 @@
               </a:spcAft>
             </a:pPr>
             <a:endParaRPr lang="en" altLang="zh-CN" sz="3633" b="1" dirty="0">
+              <a:solidFill>
+                <a:schemeClr val="tx1"/>
+              </a:solidFill>
               <a:latin typeface="Arial" panose="020B0604020202020204" pitchFamily="34" charset="0"/>
               <a:cs typeface="Arial" panose="020B0604020202020204" pitchFamily="34" charset="0"/>
             </a:endParaRPr>
@@ -7671,6 +7816,9 @@
             </a:pPr>
             <a:r>
               <a:rPr lang="en-US" altLang="zh-CN" sz="3633" b="1" dirty="0">
+                <a:solidFill>
+                  <a:schemeClr val="tx1"/>
+                </a:solidFill>
                 <a:latin typeface="Arial" panose="020B0604020202020204" pitchFamily="34" charset="0"/>
                 <a:cs typeface="Arial" panose="020B0604020202020204" pitchFamily="34" charset="0"/>
               </a:rPr>
@@ -7678,12 +7826,18 @@
             </a:r>
             <a:r>
               <a:rPr lang="zh-CN" altLang="en-US" sz="3633" b="1" dirty="0">
+                <a:solidFill>
+                  <a:schemeClr val="tx1"/>
+                </a:solidFill>
                 <a:latin typeface="Arial" panose="020B0604020202020204" pitchFamily="34" charset="0"/>
                 <a:cs typeface="Arial" panose="020B0604020202020204" pitchFamily="34" charset="0"/>
               </a:rPr>
               <a:t>检索式示例</a:t>
             </a:r>
             <a:endParaRPr lang="en" altLang="zh-CN" sz="3633" b="1" dirty="0">
+              <a:solidFill>
+                <a:schemeClr val="tx1"/>
+              </a:solidFill>
               <a:latin typeface="Arial" panose="020B0604020202020204" pitchFamily="34" charset="0"/>
               <a:cs typeface="Arial" panose="020B0604020202020204" pitchFamily="34" charset="0"/>
             </a:endParaRPr>
@@ -7747,6 +7901,9 @@
             <a:pPr algn="l"/>
             <a:r>
               <a:rPr lang="en-US" altLang="zh-CN" sz="4441" b="1" dirty="0" err="1">
+                <a:solidFill>
+                  <a:schemeClr val="tx1"/>
+                </a:solidFill>
                 <a:latin typeface="Arial" panose="020B0604020202020204" pitchFamily="34" charset="0"/>
                 <a:cs typeface="Arial" panose="020B0604020202020204" pitchFamily="34" charset="0"/>
               </a:rPr>
@@ -7754,12 +7911,18 @@
             </a:r>
             <a:r>
               <a:rPr lang="zh-CN" altLang="en-US" sz="4441" b="1" dirty="0">
+                <a:solidFill>
+                  <a:schemeClr val="tx1"/>
+                </a:solidFill>
                 <a:latin typeface="Arial" panose="020B0604020202020204" pitchFamily="34" charset="0"/>
                 <a:cs typeface="Arial" panose="020B0604020202020204" pitchFamily="34" charset="0"/>
               </a:rPr>
               <a:t>模型</a:t>
             </a:r>
             <a:endParaRPr lang="en-US" altLang="zh-CN" sz="4441" b="1" dirty="0">
+              <a:solidFill>
+                <a:schemeClr val="tx1"/>
+              </a:solidFill>
               <a:latin typeface="Arial" panose="020B0604020202020204" pitchFamily="34" charset="0"/>
               <a:cs typeface="Arial" panose="020B0604020202020204" pitchFamily="34" charset="0"/>
             </a:endParaRPr>
@@ -9497,6 +9660,9 @@
             </a:pPr>
             <a:r>
               <a:rPr lang="en-US" altLang="zh-CN" sz="3633" b="1" dirty="0">
+                <a:solidFill>
+                  <a:schemeClr val="tx1"/>
+                </a:solidFill>
                 <a:latin typeface="Arial" panose="020B0604020202020204" pitchFamily="34" charset="0"/>
                 <a:cs typeface="Arial" panose="020B0604020202020204" pitchFamily="34" charset="0"/>
               </a:rPr>
@@ -9504,12 +9670,18 @@
             </a:r>
             <a:r>
               <a:rPr lang="zh-CN" altLang="en-US" sz="3633" b="1" dirty="0">
+                <a:solidFill>
+                  <a:schemeClr val="tx1"/>
+                </a:solidFill>
                 <a:latin typeface="Arial" panose="020B0604020202020204" pitchFamily="34" charset="0"/>
                 <a:cs typeface="Arial" panose="020B0604020202020204" pitchFamily="34" charset="0"/>
               </a:rPr>
               <a:t>检索式数据分布</a:t>
             </a:r>
             <a:endParaRPr lang="en" altLang="zh-CN" sz="3633" b="1" dirty="0">
+              <a:solidFill>
+                <a:schemeClr val="tx1"/>
+              </a:solidFill>
               <a:latin typeface="Arial" panose="020B0604020202020204" pitchFamily="34" charset="0"/>
               <a:cs typeface="Arial" panose="020B0604020202020204" pitchFamily="34" charset="0"/>
             </a:endParaRPr>
@@ -9531,7 +9703,7 @@
           <p:nvPr>
             <p:extLst>
               <p:ext uri="{D42A27DB-BD31-4B8C-83A1-F6EECF244321}">
-                <p14:modId xmlns:p14="http://schemas.microsoft.com/office/powerpoint/2010/main" val="2337073259"/>
+                <p14:modId xmlns:p14="http://schemas.microsoft.com/office/powerpoint/2010/main" val="3930850651"/>
               </p:ext>
             </p:extLst>
           </p:nvPr>
@@ -9575,7 +9747,7 @@
                     <a:bodyPr/>
                     <a:lstStyle/>
                     <a:p>
-                      <a:pPr marL="0" marR="0" indent="0" algn="just">
+                      <a:pPr marL="0" marR="0" indent="0" algn="ctr">
                         <a:lnSpc>
                           <a:spcPct val="105000"/>
                         </a:lnSpc>
@@ -9606,7 +9778,7 @@
                     <a:bodyPr/>
                     <a:lstStyle/>
                     <a:p>
-                      <a:pPr marL="0" marR="0" indent="0" algn="just">
+                      <a:pPr marL="0" marR="0" indent="0" algn="ctr">
                         <a:lnSpc>
                           <a:spcPct val="105000"/>
                         </a:lnSpc>
@@ -9637,7 +9809,7 @@
                     <a:bodyPr/>
                     <a:lstStyle/>
                     <a:p>
-                      <a:pPr marL="0" marR="0" indent="0" algn="just">
+                      <a:pPr marL="0" marR="0" indent="0" algn="ctr">
                         <a:lnSpc>
                           <a:spcPct val="105000"/>
                         </a:lnSpc>
@@ -9649,12 +9821,12 @@
                         </a:spcAft>
                       </a:pPr>
                       <a:r>
-                        <a:rPr lang="zh-CN" sz="3600" kern="100" spc="20">
+                        <a:rPr lang="zh-CN" sz="3600" kern="100" spc="20" dirty="0">
                           <a:effectLst/>
                         </a:rPr>
                         <a:t>比例</a:t>
                       </a:r>
-                      <a:endParaRPr lang="en-US" sz="3600" kern="100" spc="20">
+                      <a:endParaRPr lang="en-US" sz="3600" kern="100" spc="20" dirty="0">
                         <a:effectLst/>
                         <a:latin typeface="Times New Roman" panose="02020603050405020304" pitchFamily="18" charset="0"/>
                         <a:ea typeface="方正书宋简体"/>
@@ -10999,12 +11171,18 @@
             <a:pPr algn="l"/>
             <a:r>
               <a:rPr lang="zh-CN" altLang="en-US" sz="4441" b="1" dirty="0">
+                <a:solidFill>
+                  <a:schemeClr val="tx1"/>
+                </a:solidFill>
                 <a:latin typeface="Arial" panose="020B0604020202020204" pitchFamily="34" charset="0"/>
                 <a:cs typeface="Arial" panose="020B0604020202020204" pitchFamily="34" charset="0"/>
               </a:rPr>
               <a:t>数据处理</a:t>
             </a:r>
             <a:endParaRPr lang="en-US" altLang="zh-CN" sz="4441" b="1" dirty="0">
+              <a:solidFill>
+                <a:schemeClr val="tx1"/>
+              </a:solidFill>
               <a:latin typeface="Arial" panose="020B0604020202020204" pitchFamily="34" charset="0"/>
               <a:cs typeface="Arial" panose="020B0604020202020204" pitchFamily="34" charset="0"/>
             </a:endParaRPr>
@@ -11219,6 +11397,9 @@
             </a:pPr>
             <a:r>
               <a:rPr lang="zh-CN" altLang="en-US" sz="3633" b="1" dirty="0">
+                <a:solidFill>
+                  <a:schemeClr val="tx1"/>
+                </a:solidFill>
                 <a:latin typeface="Arial" panose="020B0604020202020204" pitchFamily="34" charset="0"/>
                 <a:cs typeface="Arial" panose="020B0604020202020204" pitchFamily="34" charset="0"/>
               </a:rPr>
@@ -11226,6 +11407,9 @@
             </a:r>
             <a:r>
               <a:rPr lang="en-US" altLang="zh-CN" sz="3633" b="1" dirty="0">
+                <a:solidFill>
+                  <a:schemeClr val="tx1"/>
+                </a:solidFill>
                 <a:latin typeface="Arial" panose="020B0604020202020204" pitchFamily="34" charset="0"/>
                 <a:cs typeface="Arial" panose="020B0604020202020204" pitchFamily="34" charset="0"/>
               </a:rPr>
@@ -11233,12 +11417,18 @@
             </a:r>
             <a:r>
               <a:rPr lang="zh-CN" altLang="en-US" sz="3633" b="1" dirty="0">
+                <a:solidFill>
+                  <a:schemeClr val="tx1"/>
+                </a:solidFill>
                 <a:latin typeface="Arial" panose="020B0604020202020204" pitchFamily="34" charset="0"/>
                 <a:cs typeface="Arial" panose="020B0604020202020204" pitchFamily="34" charset="0"/>
               </a:rPr>
               <a:t>检索日志数据和错误日志数据，构造检索式数据集。</a:t>
             </a:r>
             <a:endParaRPr lang="en" altLang="zh-CN" sz="3633" b="1" dirty="0">
+              <a:solidFill>
+                <a:schemeClr val="tx1"/>
+              </a:solidFill>
               <a:latin typeface="Arial" panose="020B0604020202020204" pitchFamily="34" charset="0"/>
               <a:cs typeface="Arial" panose="020B0604020202020204" pitchFamily="34" charset="0"/>
             </a:endParaRPr>
@@ -11489,18 +11679,92 @@
             </a:pPr>
             <a:r>
               <a:rPr lang="zh-CN" altLang="en-US" sz="3633" b="1" dirty="0">
+                <a:solidFill>
+                  <a:schemeClr val="tx1"/>
+                </a:solidFill>
                 <a:latin typeface="Arial" panose="020B0604020202020204" pitchFamily="34" charset="0"/>
                 <a:cs typeface="Arial" panose="020B0604020202020204" pitchFamily="34" charset="0"/>
               </a:rPr>
               <a:t>大语言模型生成自然语言描述示例</a:t>
             </a:r>
             <a:endParaRPr lang="en-US" altLang="zh-CN" sz="3633" b="1" dirty="0">
+              <a:solidFill>
+                <a:schemeClr val="tx1"/>
+              </a:solidFill>
               <a:latin typeface="Arial" panose="020B0604020202020204" pitchFamily="34" charset="0"/>
               <a:cs typeface="Arial" panose="020B0604020202020204" pitchFamily="34" charset="0"/>
             </a:endParaRPr>
           </a:p>
         </p:txBody>
       </p:sp>
+      <p:pic>
+        <p:nvPicPr>
+          <p:cNvPr id="2" name="图片 15">
+            <a:extLst>
+              <a:ext uri="{FF2B5EF4-FFF2-40B4-BE49-F238E27FC236}">
+                <a16:creationId xmlns:a16="http://schemas.microsoft.com/office/drawing/2014/main" id="{45185AF3-B874-9E98-E2B3-0C4AF793F094}"/>
+              </a:ext>
+            </a:extLst>
+          </p:cNvPr>
+          <p:cNvPicPr>
+            <a:picLocks noChangeAspect="1"/>
+          </p:cNvPicPr>
+          <p:nvPr/>
+        </p:nvPicPr>
+        <p:blipFill>
+          <a:blip r:embed="rId9"/>
+          <a:stretch>
+            <a:fillRect/>
+          </a:stretch>
+        </p:blipFill>
+        <p:spPr>
+          <a:xfrm>
+            <a:off x="576111" y="41703062"/>
+            <a:ext cx="8364855" cy="1332230"/>
+          </a:xfrm>
+          <a:prstGeom prst="rect">
+            <a:avLst/>
+          </a:prstGeom>
+          <a:noFill/>
+          <a:ln w="9525">
+            <a:noFill/>
+          </a:ln>
+        </p:spPr>
+      </p:pic>
+      <p:pic>
+        <p:nvPicPr>
+          <p:cNvPr id="6" name="图片 30">
+            <a:extLst>
+              <a:ext uri="{FF2B5EF4-FFF2-40B4-BE49-F238E27FC236}">
+                <a16:creationId xmlns:a16="http://schemas.microsoft.com/office/drawing/2014/main" id="{2A95114C-90DC-6D80-00E5-3E1C9D455E58}"/>
+              </a:ext>
+            </a:extLst>
+          </p:cNvPr>
+          <p:cNvPicPr>
+            <a:picLocks noChangeAspect="1"/>
+          </p:cNvPicPr>
+          <p:nvPr/>
+        </p:nvPicPr>
+        <p:blipFill>
+          <a:blip r:embed="rId10"/>
+          <a:stretch>
+            <a:fillRect/>
+          </a:stretch>
+        </p:blipFill>
+        <p:spPr>
+          <a:xfrm>
+            <a:off x="27719644" y="795331"/>
+            <a:ext cx="2716212" cy="3238500"/>
+          </a:xfrm>
+          <a:prstGeom prst="rect">
+            <a:avLst/>
+          </a:prstGeom>
+          <a:noFill/>
+          <a:ln w="9525">
+            <a:noFill/>
+          </a:ln>
+        </p:spPr>
+      </p:pic>
     </p:spTree>
   </p:cSld>
   <p:clrMapOvr>

--- a/doc/BCC_NLQ-Poster.pptx
+++ b/doc/BCC_NLQ-Poster.pptx
@@ -7944,7 +7944,7 @@
           <p:nvPr>
             <p:extLst>
               <p:ext uri="{D42A27DB-BD31-4B8C-83A1-F6EECF244321}">
-                <p14:modId xmlns:p14="http://schemas.microsoft.com/office/powerpoint/2010/main" val="4094785856"/>
+                <p14:modId xmlns:p14="http://schemas.microsoft.com/office/powerpoint/2010/main" val="1089010882"/>
               </p:ext>
             </p:extLst>
           </p:nvPr>
@@ -8315,7 +8315,7 @@
                     <a:bodyPr/>
                     <a:lstStyle/>
                     <a:p>
-                      <a:pPr marL="0" marR="0" indent="0" algn="just">
+                      <a:pPr marL="0" marR="0" indent="0" algn="r">
                         <a:lnSpc>
                           <a:spcPct val="105000"/>
                         </a:lnSpc>
@@ -8327,10 +8327,41 @@
                         </a:spcAft>
                       </a:pPr>
                       <a:r>
+                        <a:rPr lang="en-US" sz="3600" kern="100" spc="20" dirty="0">
+                          <a:effectLst/>
+                        </a:rPr>
+                        <a:t>88.20%</a:t>
+                      </a:r>
+                      <a:endParaRPr lang="en-US" sz="3600" kern="100" spc="20" dirty="0">
+                        <a:effectLst/>
+                        <a:latin typeface="Times New Roman" panose="02020603050405020304" pitchFamily="18" charset="0"/>
+                        <a:ea typeface="方正书宋简体"/>
+                      </a:endParaRPr>
+                    </a:p>
+                  </a:txBody>
+                  <a:tcPr marL="68580" marR="68580" marT="0" marB="0"/>
+                </a:tc>
+                <a:tc>
+                  <a:txBody>
+                    <a:bodyPr/>
+                    <a:lstStyle/>
+                    <a:p>
+                      <a:pPr marL="0" marR="0" indent="0" algn="r">
+                        <a:lnSpc>
+                          <a:spcPct val="105000"/>
+                        </a:lnSpc>
+                        <a:spcBef>
+                          <a:spcPts val="0"/>
+                        </a:spcBef>
+                        <a:spcAft>
+                          <a:spcPts val="0"/>
+                        </a:spcAft>
+                      </a:pPr>
+                      <a:r>
                         <a:rPr lang="en-US" sz="3600" kern="100" spc="20">
                           <a:effectLst/>
                         </a:rPr>
-                        <a:t>88.20%</a:t>
+                        <a:t>89.47%</a:t>
                       </a:r>
                       <a:endParaRPr lang="en-US" sz="3600" kern="100" spc="20">
                         <a:effectLst/>
@@ -8346,7 +8377,7 @@
                     <a:bodyPr/>
                     <a:lstStyle/>
                     <a:p>
-                      <a:pPr marL="0" marR="0" indent="0" algn="just">
+                      <a:pPr marL="0" marR="0" indent="0" algn="r">
                         <a:lnSpc>
                           <a:spcPct val="105000"/>
                         </a:lnSpc>
@@ -8361,7 +8392,7 @@
                         <a:rPr lang="en-US" sz="3600" kern="100" spc="20">
                           <a:effectLst/>
                         </a:rPr>
-                        <a:t>89.47%</a:t>
+                        <a:t>86.04%</a:t>
                       </a:r>
                       <a:endParaRPr lang="en-US" sz="3600" kern="100" spc="20">
                         <a:effectLst/>
@@ -8377,38 +8408,7 @@
                     <a:bodyPr/>
                     <a:lstStyle/>
                     <a:p>
-                      <a:pPr marL="0" marR="0" indent="0" algn="just">
-                        <a:lnSpc>
-                          <a:spcPct val="105000"/>
-                        </a:lnSpc>
-                        <a:spcBef>
-                          <a:spcPts val="0"/>
-                        </a:spcBef>
-                        <a:spcAft>
-                          <a:spcPts val="0"/>
-                        </a:spcAft>
-                      </a:pPr>
-                      <a:r>
-                        <a:rPr lang="en-US" sz="3600" kern="100" spc="20">
-                          <a:effectLst/>
-                        </a:rPr>
-                        <a:t>86.04%</a:t>
-                      </a:r>
-                      <a:endParaRPr lang="en-US" sz="3600" kern="100" spc="20">
-                        <a:effectLst/>
-                        <a:latin typeface="Times New Roman" panose="02020603050405020304" pitchFamily="18" charset="0"/>
-                        <a:ea typeface="方正书宋简体"/>
-                      </a:endParaRPr>
-                    </a:p>
-                  </a:txBody>
-                  <a:tcPr marL="68580" marR="68580" marT="0" marB="0"/>
-                </a:tc>
-                <a:tc>
-                  <a:txBody>
-                    <a:bodyPr/>
-                    <a:lstStyle/>
-                    <a:p>
-                      <a:pPr marL="0" marR="0" indent="0" algn="just">
+                      <a:pPr marL="0" marR="0" indent="0" algn="r">
                         <a:lnSpc>
                           <a:spcPct val="105000"/>
                         </a:lnSpc>
@@ -8477,7 +8477,7 @@
                     <a:bodyPr/>
                     <a:lstStyle/>
                     <a:p>
-                      <a:pPr marL="0" marR="0" indent="0" algn="just">
+                      <a:pPr marL="0" marR="0" indent="0" algn="r">
                         <a:lnSpc>
                           <a:spcPct val="105000"/>
                         </a:lnSpc>
@@ -8489,10 +8489,41 @@
                         </a:spcAft>
                       </a:pPr>
                       <a:r>
+                        <a:rPr lang="en-US" sz="3600" kern="100" spc="20" dirty="0">
+                          <a:effectLst/>
+                        </a:rPr>
+                        <a:t>72.17%</a:t>
+                      </a:r>
+                      <a:endParaRPr lang="en-US" sz="3600" kern="100" spc="20" dirty="0">
+                        <a:effectLst/>
+                        <a:latin typeface="Times New Roman" panose="02020603050405020304" pitchFamily="18" charset="0"/>
+                        <a:ea typeface="方正书宋简体"/>
+                      </a:endParaRPr>
+                    </a:p>
+                  </a:txBody>
+                  <a:tcPr marL="68580" marR="68580" marT="0" marB="0"/>
+                </a:tc>
+                <a:tc>
+                  <a:txBody>
+                    <a:bodyPr/>
+                    <a:lstStyle/>
+                    <a:p>
+                      <a:pPr marL="0" marR="0" indent="0" algn="r">
+                        <a:lnSpc>
+                          <a:spcPct val="105000"/>
+                        </a:lnSpc>
+                        <a:spcBef>
+                          <a:spcPts val="0"/>
+                        </a:spcBef>
+                        <a:spcAft>
+                          <a:spcPts val="0"/>
+                        </a:spcAft>
+                      </a:pPr>
+                      <a:r>
                         <a:rPr lang="en-US" sz="3600" kern="100" spc="20">
                           <a:effectLst/>
                         </a:rPr>
-                        <a:t>72.17%</a:t>
+                        <a:t>84.92%</a:t>
                       </a:r>
                       <a:endParaRPr lang="en-US" sz="3600" kern="100" spc="20">
                         <a:effectLst/>
@@ -8508,7 +8539,7 @@
                     <a:bodyPr/>
                     <a:lstStyle/>
                     <a:p>
-                      <a:pPr marL="0" marR="0" indent="0" algn="just">
+                      <a:pPr marL="0" marR="0" indent="0" algn="r">
                         <a:lnSpc>
                           <a:spcPct val="105000"/>
                         </a:lnSpc>
@@ -8523,7 +8554,7 @@
                         <a:rPr lang="en-US" sz="3600" kern="100" spc="20">
                           <a:effectLst/>
                         </a:rPr>
-                        <a:t>84.92%</a:t>
+                        <a:t>67.63%</a:t>
                       </a:r>
                       <a:endParaRPr lang="en-US" sz="3600" kern="100" spc="20">
                         <a:effectLst/>
@@ -8539,38 +8570,7 @@
                     <a:bodyPr/>
                     <a:lstStyle/>
                     <a:p>
-                      <a:pPr marL="0" marR="0" indent="0" algn="just">
-                        <a:lnSpc>
-                          <a:spcPct val="105000"/>
-                        </a:lnSpc>
-                        <a:spcBef>
-                          <a:spcPts val="0"/>
-                        </a:spcBef>
-                        <a:spcAft>
-                          <a:spcPts val="0"/>
-                        </a:spcAft>
-                      </a:pPr>
-                      <a:r>
-                        <a:rPr lang="en-US" sz="3600" kern="100" spc="20">
-                          <a:effectLst/>
-                        </a:rPr>
-                        <a:t>67.63%</a:t>
-                      </a:r>
-                      <a:endParaRPr lang="en-US" sz="3600" kern="100" spc="20">
-                        <a:effectLst/>
-                        <a:latin typeface="Times New Roman" panose="02020603050405020304" pitchFamily="18" charset="0"/>
-                        <a:ea typeface="方正书宋简体"/>
-                      </a:endParaRPr>
-                    </a:p>
-                  </a:txBody>
-                  <a:tcPr marL="68580" marR="68580" marT="0" marB="0"/>
-                </a:tc>
-                <a:tc>
-                  <a:txBody>
-                    <a:bodyPr/>
-                    <a:lstStyle/>
-                    <a:p>
-                      <a:pPr marL="0" marR="0" indent="0" algn="just">
+                      <a:pPr marL="0" marR="0" indent="0" algn="r">
                         <a:lnSpc>
                           <a:spcPct val="105000"/>
                         </a:lnSpc>
@@ -8639,7 +8639,7 @@
                     <a:bodyPr/>
                     <a:lstStyle/>
                     <a:p>
-                      <a:pPr marL="0" marR="0" indent="0" algn="just">
+                      <a:pPr marL="0" marR="0" indent="0" algn="r">
                         <a:lnSpc>
                           <a:spcPct val="105000"/>
                         </a:lnSpc>
@@ -8670,7 +8670,7 @@
                     <a:bodyPr/>
                     <a:lstStyle/>
                     <a:p>
-                      <a:pPr marL="0" marR="0" indent="0" algn="just">
+                      <a:pPr marL="0" marR="0" indent="0" algn="r">
                         <a:lnSpc>
                           <a:spcPct val="105000"/>
                         </a:lnSpc>
@@ -8701,7 +8701,7 @@
                     <a:bodyPr/>
                     <a:lstStyle/>
                     <a:p>
-                      <a:pPr marL="0" marR="0" indent="0" algn="just">
+                      <a:pPr marL="0" marR="0" indent="0" algn="r">
                         <a:lnSpc>
                           <a:spcPct val="105000"/>
                         </a:lnSpc>
@@ -8732,7 +8732,7 @@
                     <a:bodyPr/>
                     <a:lstStyle/>
                     <a:p>
-                      <a:pPr marL="0" marR="0" indent="0" algn="just">
+                      <a:pPr marL="0" marR="0" indent="0" algn="r">
                         <a:lnSpc>
                           <a:spcPct val="105000"/>
                         </a:lnSpc>
@@ -8801,7 +8801,7 @@
                     <a:bodyPr/>
                     <a:lstStyle/>
                     <a:p>
-                      <a:pPr marL="0" marR="0" indent="0" algn="just">
+                      <a:pPr marL="0" marR="0" indent="0" algn="r">
                         <a:lnSpc>
                           <a:spcPct val="105000"/>
                         </a:lnSpc>
@@ -8832,7 +8832,7 @@
                     <a:bodyPr/>
                     <a:lstStyle/>
                     <a:p>
-                      <a:pPr marL="0" marR="0" indent="0" algn="just">
+                      <a:pPr marL="0" marR="0" indent="0" algn="r">
                         <a:lnSpc>
                           <a:spcPct val="105000"/>
                         </a:lnSpc>
@@ -8844,10 +8844,41 @@
                         </a:spcAft>
                       </a:pPr>
                       <a:r>
+                        <a:rPr lang="en-US" sz="3600" kern="100" spc="20" dirty="0">
+                          <a:effectLst/>
+                        </a:rPr>
+                        <a:t>74.07%</a:t>
+                      </a:r>
+                      <a:endParaRPr lang="en-US" sz="3600" kern="100" spc="20" dirty="0">
+                        <a:effectLst/>
+                        <a:latin typeface="Times New Roman" panose="02020603050405020304" pitchFamily="18" charset="0"/>
+                        <a:ea typeface="方正书宋简体"/>
+                      </a:endParaRPr>
+                    </a:p>
+                  </a:txBody>
+                  <a:tcPr marL="68580" marR="68580" marT="0" marB="0"/>
+                </a:tc>
+                <a:tc>
+                  <a:txBody>
+                    <a:bodyPr/>
+                    <a:lstStyle/>
+                    <a:p>
+                      <a:pPr marL="0" marR="0" indent="0" algn="r">
+                        <a:lnSpc>
+                          <a:spcPct val="105000"/>
+                        </a:lnSpc>
+                        <a:spcBef>
+                          <a:spcPts val="0"/>
+                        </a:spcBef>
+                        <a:spcAft>
+                          <a:spcPts val="0"/>
+                        </a:spcAft>
+                      </a:pPr>
+                      <a:r>
                         <a:rPr lang="en-US" sz="3600" kern="100" spc="20">
                           <a:effectLst/>
                         </a:rPr>
-                        <a:t>74.07%</a:t>
+                        <a:t>57.25%</a:t>
                       </a:r>
                       <a:endParaRPr lang="en-US" sz="3600" kern="100" spc="20">
                         <a:effectLst/>
@@ -8863,38 +8894,7 @@
                     <a:bodyPr/>
                     <a:lstStyle/>
                     <a:p>
-                      <a:pPr marL="0" marR="0" indent="0" algn="just">
-                        <a:lnSpc>
-                          <a:spcPct val="105000"/>
-                        </a:lnSpc>
-                        <a:spcBef>
-                          <a:spcPts val="0"/>
-                        </a:spcBef>
-                        <a:spcAft>
-                          <a:spcPts val="0"/>
-                        </a:spcAft>
-                      </a:pPr>
-                      <a:r>
-                        <a:rPr lang="en-US" sz="3600" kern="100" spc="20">
-                          <a:effectLst/>
-                        </a:rPr>
-                        <a:t>57.25%</a:t>
-                      </a:r>
-                      <a:endParaRPr lang="en-US" sz="3600" kern="100" spc="20">
-                        <a:effectLst/>
-                        <a:latin typeface="Times New Roman" panose="02020603050405020304" pitchFamily="18" charset="0"/>
-                        <a:ea typeface="方正书宋简体"/>
-                      </a:endParaRPr>
-                    </a:p>
-                  </a:txBody>
-                  <a:tcPr marL="68580" marR="68580" marT="0" marB="0"/>
-                </a:tc>
-                <a:tc>
-                  <a:txBody>
-                    <a:bodyPr/>
-                    <a:lstStyle/>
-                    <a:p>
-                      <a:pPr marL="0" marR="0" indent="0" algn="just">
+                      <a:pPr marL="0" marR="0" indent="0" algn="r">
                         <a:lnSpc>
                           <a:spcPct val="105000"/>
                         </a:lnSpc>
@@ -8963,7 +8963,7 @@
                     <a:bodyPr/>
                     <a:lstStyle/>
                     <a:p>
-                      <a:pPr marL="0" marR="0" indent="0" algn="just">
+                      <a:pPr marL="0" marR="0" indent="0" algn="r">
                         <a:lnSpc>
                           <a:spcPct val="105000"/>
                         </a:lnSpc>
@@ -8994,7 +8994,7 @@
                     <a:bodyPr/>
                     <a:lstStyle/>
                     <a:p>
-                      <a:pPr marL="0" marR="0" indent="0" algn="just">
+                      <a:pPr marL="0" marR="0" indent="0" algn="r">
                         <a:lnSpc>
                           <a:spcPct val="105000"/>
                         </a:lnSpc>
@@ -9006,10 +9006,41 @@
                         </a:spcAft>
                       </a:pPr>
                       <a:r>
+                        <a:rPr lang="en-US" sz="3600" kern="100" spc="20" dirty="0">
+                          <a:effectLst/>
+                        </a:rPr>
+                        <a:t>72.70%</a:t>
+                      </a:r>
+                      <a:endParaRPr lang="en-US" sz="3600" kern="100" spc="20" dirty="0">
+                        <a:effectLst/>
+                        <a:latin typeface="Times New Roman" panose="02020603050405020304" pitchFamily="18" charset="0"/>
+                        <a:ea typeface="方正书宋简体"/>
+                      </a:endParaRPr>
+                    </a:p>
+                  </a:txBody>
+                  <a:tcPr marL="68580" marR="68580" marT="0" marB="0"/>
+                </a:tc>
+                <a:tc>
+                  <a:txBody>
+                    <a:bodyPr/>
+                    <a:lstStyle/>
+                    <a:p>
+                      <a:pPr marL="0" marR="0" indent="0" algn="r">
+                        <a:lnSpc>
+                          <a:spcPct val="105000"/>
+                        </a:lnSpc>
+                        <a:spcBef>
+                          <a:spcPts val="0"/>
+                        </a:spcBef>
+                        <a:spcAft>
+                          <a:spcPts val="0"/>
+                        </a:spcAft>
+                      </a:pPr>
+                      <a:r>
                         <a:rPr lang="en-US" sz="3600" kern="100" spc="20">
                           <a:effectLst/>
                         </a:rPr>
-                        <a:t>72.70%</a:t>
+                        <a:t>63.41%</a:t>
                       </a:r>
                       <a:endParaRPr lang="en-US" sz="3600" kern="100" spc="20">
                         <a:effectLst/>
@@ -9025,38 +9056,7 @@
                     <a:bodyPr/>
                     <a:lstStyle/>
                     <a:p>
-                      <a:pPr marL="0" marR="0" indent="0" algn="just">
-                        <a:lnSpc>
-                          <a:spcPct val="105000"/>
-                        </a:lnSpc>
-                        <a:spcBef>
-                          <a:spcPts val="0"/>
-                        </a:spcBef>
-                        <a:spcAft>
-                          <a:spcPts val="0"/>
-                        </a:spcAft>
-                      </a:pPr>
-                      <a:r>
-                        <a:rPr lang="en-US" sz="3600" kern="100" spc="20">
-                          <a:effectLst/>
-                        </a:rPr>
-                        <a:t>63.41%</a:t>
-                      </a:r>
-                      <a:endParaRPr lang="en-US" sz="3600" kern="100" spc="20">
-                        <a:effectLst/>
-                        <a:latin typeface="Times New Roman" panose="02020603050405020304" pitchFamily="18" charset="0"/>
-                        <a:ea typeface="方正书宋简体"/>
-                      </a:endParaRPr>
-                    </a:p>
-                  </a:txBody>
-                  <a:tcPr marL="68580" marR="68580" marT="0" marB="0"/>
-                </a:tc>
-                <a:tc>
-                  <a:txBody>
-                    <a:bodyPr/>
-                    <a:lstStyle/>
-                    <a:p>
-                      <a:pPr marL="0" marR="0" indent="0" algn="just">
+                      <a:pPr marL="0" marR="0" indent="0" algn="r">
                         <a:lnSpc>
                           <a:spcPct val="105000"/>
                         </a:lnSpc>
@@ -9125,7 +9125,7 @@
                     <a:bodyPr/>
                     <a:lstStyle/>
                     <a:p>
-                      <a:pPr marL="0" marR="0" indent="0" algn="just">
+                      <a:pPr marL="0" marR="0" indent="0" algn="r">
                         <a:lnSpc>
                           <a:spcPct val="105000"/>
                         </a:lnSpc>
@@ -9156,7 +9156,7 @@
                     <a:bodyPr/>
                     <a:lstStyle/>
                     <a:p>
-                      <a:pPr marL="0" marR="0" indent="0" algn="just">
+                      <a:pPr marL="0" marR="0" indent="0" algn="r">
                         <a:lnSpc>
                           <a:spcPct val="105000"/>
                         </a:lnSpc>
@@ -9168,10 +9168,41 @@
                         </a:spcAft>
                       </a:pPr>
                       <a:r>
+                        <a:rPr lang="en-US" sz="3600" kern="100" spc="20" dirty="0">
+                          <a:effectLst/>
+                        </a:rPr>
+                        <a:t>66.33%</a:t>
+                      </a:r>
+                      <a:endParaRPr lang="en-US" sz="3600" kern="100" spc="20" dirty="0">
+                        <a:effectLst/>
+                        <a:latin typeface="Times New Roman" panose="02020603050405020304" pitchFamily="18" charset="0"/>
+                        <a:ea typeface="方正书宋简体"/>
+                      </a:endParaRPr>
+                    </a:p>
+                  </a:txBody>
+                  <a:tcPr marL="68580" marR="68580" marT="0" marB="0"/>
+                </a:tc>
+                <a:tc>
+                  <a:txBody>
+                    <a:bodyPr/>
+                    <a:lstStyle/>
+                    <a:p>
+                      <a:pPr marL="0" marR="0" indent="0" algn="r">
+                        <a:lnSpc>
+                          <a:spcPct val="105000"/>
+                        </a:lnSpc>
+                        <a:spcBef>
+                          <a:spcPts val="0"/>
+                        </a:spcBef>
+                        <a:spcAft>
+                          <a:spcPts val="0"/>
+                        </a:spcAft>
+                      </a:pPr>
+                      <a:r>
                         <a:rPr lang="en-US" sz="3600" kern="100" spc="20">
                           <a:effectLst/>
                         </a:rPr>
-                        <a:t>66.33%</a:t>
+                        <a:t>55.27%</a:t>
                       </a:r>
                       <a:endParaRPr lang="en-US" sz="3600" kern="100" spc="20">
                         <a:effectLst/>
@@ -9187,38 +9218,7 @@
                     <a:bodyPr/>
                     <a:lstStyle/>
                     <a:p>
-                      <a:pPr marL="0" marR="0" indent="0" algn="just">
-                        <a:lnSpc>
-                          <a:spcPct val="105000"/>
-                        </a:lnSpc>
-                        <a:spcBef>
-                          <a:spcPts val="0"/>
-                        </a:spcBef>
-                        <a:spcAft>
-                          <a:spcPts val="0"/>
-                        </a:spcAft>
-                      </a:pPr>
-                      <a:r>
-                        <a:rPr lang="en-US" sz="3600" kern="100" spc="20">
-                          <a:effectLst/>
-                        </a:rPr>
-                        <a:t>55.27%</a:t>
-                      </a:r>
-                      <a:endParaRPr lang="en-US" sz="3600" kern="100" spc="20">
-                        <a:effectLst/>
-                        <a:latin typeface="Times New Roman" panose="02020603050405020304" pitchFamily="18" charset="0"/>
-                        <a:ea typeface="方正书宋简体"/>
-                      </a:endParaRPr>
-                    </a:p>
-                  </a:txBody>
-                  <a:tcPr marL="68580" marR="68580" marT="0" marB="0"/>
-                </a:tc>
-                <a:tc>
-                  <a:txBody>
-                    <a:bodyPr/>
-                    <a:lstStyle/>
-                    <a:p>
-                      <a:pPr marL="0" marR="0" indent="0" algn="just">
+                      <a:pPr marL="0" marR="0" indent="0" algn="r">
                         <a:lnSpc>
                           <a:spcPct val="105000"/>
                         </a:lnSpc>
@@ -9287,7 +9287,7 @@
                     <a:bodyPr/>
                     <a:lstStyle/>
                     <a:p>
-                      <a:pPr marL="0" marR="0" indent="0" algn="just">
+                      <a:pPr marL="0" marR="0" indent="0" algn="r">
                         <a:lnSpc>
                           <a:spcPct val="105000"/>
                         </a:lnSpc>
@@ -9318,7 +9318,7 @@
                     <a:bodyPr/>
                     <a:lstStyle/>
                     <a:p>
-                      <a:pPr marL="0" marR="0" indent="0" algn="just">
+                      <a:pPr marL="0" marR="0" indent="0" algn="r">
                         <a:lnSpc>
                           <a:spcPct val="105000"/>
                         </a:lnSpc>
@@ -9349,7 +9349,7 @@
                     <a:bodyPr/>
                     <a:lstStyle/>
                     <a:p>
-                      <a:pPr marL="0" marR="0" indent="0" algn="just">
+                      <a:pPr marL="0" marR="0" indent="0" algn="r">
                         <a:lnSpc>
                           <a:spcPct val="105000"/>
                         </a:lnSpc>
@@ -9361,12 +9361,12 @@
                         </a:spcAft>
                       </a:pPr>
                       <a:r>
-                        <a:rPr lang="en-US" sz="3600" kern="100" spc="20">
+                        <a:rPr lang="en-US" sz="3600" kern="100" spc="20" dirty="0">
                           <a:effectLst/>
                         </a:rPr>
                         <a:t>66.91%</a:t>
                       </a:r>
-                      <a:endParaRPr lang="en-US" sz="3600" kern="100" spc="20">
+                      <a:endParaRPr lang="en-US" sz="3600" kern="100" spc="20" dirty="0">
                         <a:effectLst/>
                         <a:latin typeface="Times New Roman" panose="02020603050405020304" pitchFamily="18" charset="0"/>
                         <a:ea typeface="方正书宋简体"/>
@@ -9380,7 +9380,7 @@
                     <a:bodyPr/>
                     <a:lstStyle/>
                     <a:p>
-                      <a:pPr marL="0" marR="0" indent="0" algn="just">
+                      <a:pPr marL="0" marR="0" indent="0" algn="r">
                         <a:lnSpc>
                           <a:spcPct val="105000"/>
                         </a:lnSpc>
